--- a/programmingEX/advanced_programming-master/プログラミング応用.pptx
+++ b/programmingEX/advanced_programming-master/プログラミング応用.pptx
@@ -3964,27 +3964,11 @@
           <a:p>
             <a:r>
               <a:rPr altLang="ja-JP" dirty="0" kumimoji="1" lang="ja-JP" smtClean="0"/>
-              <a:t>結果（</a:t>
-            </a:r>
-            <a:r>
-              <a:rPr altLang="ja-JP" dirty="0" kumimoji="1" lang="en-US" smtClean="0"/>
-              <a:t>Final</a:t>
+              <a:t>結果（final</a:t>
             </a:r>
             <a:r>
               <a:rPr altLang="ja-JP" dirty="0" kumimoji="1" lang="ja-JP" smtClean="0"/>
-              <a:t>）：</a:t>
-            </a:r>
-            <a:r>
-              <a:rPr altLang="ja-JP" dirty="0" kumimoji="1" lang="en-US" smtClean="0"/>
-              <a:t>Final</a:t>
-            </a:r>
-            <a:r>
-              <a:rPr altLang="ja-JP" dirty="0" kumimoji="1" lang="ja-JP" smtClean="0"/>
-              <a:t>のみで</a:t>
-            </a:r>
-            <a:r>
-              <a:rPr altLang="ja-JP" dirty="0" kumimoji="1" lang="en-US" smtClean="0"/>
-              <a:t>OK</a:t>
+              <a:t>）：too many arguments</a:t>
             </a:r>
             <a:endParaRPr altLang="ja-JP" dirty="0" kumimoji="1" lang="ja-JP"/>
           </a:p>
@@ -4109,7 +4093,7 @@
                     <a:p>
                       <a:r>
                         <a:rPr altLang="ja-JP" baseline="0" dirty="0" kumimoji="1" lang="en-US" smtClean="0"/>
-                        <a:t>10/10 (100%)</a:t>
+                        <a:t>0/20 </a:t>
                       </a:r>
                       <a:endParaRPr altLang="ja-JP" dirty="0" kumimoji="1" lang="ja-JP"/>
                     </a:p>
@@ -4122,8 +4106,8 @@
                     <a:lstStyle/>
                     <a:p>
                       <a:r>
-                        <a:rPr altLang="ja-JP" dirty="0" kumimoji="1" lang="en-US" smtClean="0"/>
-                        <a:t>41.28s</a:t>
+                        <a:rPr/>
+                        <a:t>92.61real</a:t>
                       </a:r>
                       <a:endParaRPr altLang="ja-JP" dirty="0" kumimoji="1" lang="ja-JP"/>
                     </a:p>
@@ -4175,7 +4159,7 @@
                     <a:p>
                       <a:r>
                         <a:rPr altLang="ja-JP" dirty="0" kumimoji="1" lang="en-US" smtClean="0"/>
-                        <a:t>10/10 (100%)</a:t>
+                        <a:t>0/20 </a:t>
                       </a:r>
                       <a:endParaRPr altLang="ja-JP" dirty="0" kumimoji="1" lang="ja-JP"/>
                     </a:p>
@@ -4188,8 +4172,8 @@
                     <a:lstStyle/>
                     <a:p>
                       <a:r>
-                        <a:rPr altLang="ja-JP" dirty="0" kumimoji="1" lang="en-US" smtClean="0"/>
-                        <a:t>42.59s</a:t>
+                        <a:rPr/>
+                        <a:t>196.95s real</a:t>
                       </a:r>
                       <a:endParaRPr altLang="ja-JP" dirty="0" kumimoji="1" lang="ja-JP"/>
                     </a:p>
@@ -4241,7 +4225,7 @@
                     <a:p>
                       <a:r>
                         <a:rPr/>
-                        <a:t>10/10 (100%)</a:t>
+                        <a:t>0/20 </a:t>
                       </a:r>
                       <a:endParaRPr altLang="ja-JP" kumimoji="1" lang="ja-JP"/>
                     </a:p>
@@ -4255,7 +4239,7 @@
                     <a:p>
                       <a:r>
                         <a:rPr/>
-                        <a:t>33.22s</a:t>
+                        <a:t>593.08 real</a:t>
                       </a:r>
                       <a:endParaRPr altLang="ja-JP" kumimoji="1" lang="ja-JP"/>
                     </a:p>
@@ -4307,7 +4291,7 @@
                     <a:p>
                       <a:r>
                         <a:rPr/>
-                        <a:t>10/10 (100%)</a:t>
+                        <a:t>0/20 </a:t>
                       </a:r>
                       <a:endParaRPr altLang="ja-JP" kumimoji="1" lang="ja-JP"/>
                     </a:p>
@@ -4321,7 +4305,7 @@
                     <a:p>
                       <a:r>
                         <a:rPr/>
-                        <a:t>97.25s</a:t>
+                        <a:t>148.65 real</a:t>
                       </a:r>
                       <a:endParaRPr altLang="ja-JP" kumimoji="1" lang="ja-JP"/>
                     </a:p>
@@ -4373,7 +4357,7 @@
                     <a:p>
                       <a:r>
                         <a:rPr/>
-                        <a:t> 8/10 (100%)</a:t>
+                        <a:t>0/20 </a:t>
                       </a:r>
                       <a:endParaRPr altLang="ja-JP" kumimoji="1" lang="ja-JP"/>
                     </a:p>
@@ -4387,7 +4371,7 @@
                     <a:p>
                       <a:r>
                         <a:rPr/>
-                        <a:t>962.94s</a:t>
+                        <a:t>1521.94s</a:t>
                       </a:r>
                       <a:endParaRPr altLang="ja-JP" kumimoji="1" lang="ja-JP"/>
                     </a:p>
@@ -4439,7 +4423,7 @@
                     <a:p>
                       <a:r>
                         <a:rPr/>
-                        <a:t>10/10 (100%)</a:t>
+                        <a:t>0/20 </a:t>
                       </a:r>
                       <a:endParaRPr altLang="ja-JP" kumimoji="1" lang="ja-JP"/>
                     </a:p>
@@ -4453,7 +4437,7 @@
                     <a:p>
                       <a:r>
                         <a:rPr/>
-                        <a:t>551.92s</a:t>
+                        <a:t>1102.92s</a:t>
                       </a:r>
                       <a:endParaRPr altLang="ja-JP" kumimoji="1" lang="ja-JP"/>
                     </a:p>
@@ -4505,7 +4489,7 @@
                     <a:p>
                       <a:r>
                         <a:rPr/>
-                        <a:t> 8/10 (100%)</a:t>
+                        <a:t>0/20 </a:t>
                       </a:r>
                       <a:endParaRPr altLang="ja-JP" kumimoji="1" lang="ja-JP"/>
                     </a:p>
